--- a/Base de données/Section 2 - Langage SQL/Partie 2 - Langage SQL/P10- Transaction/A1- Recheche documentaire/omar ben sabih el imrany/recherche documentaire.pptx
+++ b/Base de données/Section 2 - Langage SQL/Partie 2 - Langage SQL/P10- Transaction/A1- Recheche documentaire/omar ben sabih el imrany/recherche documentaire.pptx
@@ -218,7 +218,7 @@
           <a:p>
             <a:fld id="{AA309A6D-C09C-4548-B29A-6CF363A7E532}" type="datetimeFigureOut">
               <a:rPr lang="fr-FR" smtClean="0"/>
-              <a:t>30/09/2019</a:t>
+              <a:t>01/10/2019</a:t>
             </a:fld>
             <a:endParaRPr lang="fr-BE"/>
           </a:p>
@@ -444,7 +444,7 @@
           <a:p>
             <a:fld id="{AA309A6D-C09C-4548-B29A-6CF363A7E532}" type="datetimeFigureOut">
               <a:rPr lang="fr-FR" smtClean="0"/>
-              <a:t>30/09/2019</a:t>
+              <a:t>01/10/2019</a:t>
             </a:fld>
             <a:endParaRPr lang="fr-BE"/>
           </a:p>
@@ -619,7 +619,7 @@
           <a:p>
             <a:fld id="{AA309A6D-C09C-4548-B29A-6CF363A7E532}" type="datetimeFigureOut">
               <a:rPr lang="fr-FR" smtClean="0"/>
-              <a:t>30/09/2019</a:t>
+              <a:t>01/10/2019</a:t>
             </a:fld>
             <a:endParaRPr lang="fr-BE"/>
           </a:p>
@@ -784,7 +784,7 @@
           <a:p>
             <a:fld id="{AA309A6D-C09C-4548-B29A-6CF363A7E532}" type="datetimeFigureOut">
               <a:rPr lang="fr-FR" smtClean="0"/>
-              <a:t>30/09/2019</a:t>
+              <a:t>01/10/2019</a:t>
             </a:fld>
             <a:endParaRPr lang="fr-BE"/>
           </a:p>
@@ -1028,7 +1028,7 @@
           <a:p>
             <a:fld id="{AA309A6D-C09C-4548-B29A-6CF363A7E532}" type="datetimeFigureOut">
               <a:rPr lang="fr-FR" smtClean="0"/>
-              <a:t>30/09/2019</a:t>
+              <a:t>01/10/2019</a:t>
             </a:fld>
             <a:endParaRPr lang="fr-BE"/>
           </a:p>
@@ -1292,7 +1292,7 @@
           <a:p>
             <a:fld id="{AA309A6D-C09C-4548-B29A-6CF363A7E532}" type="datetimeFigureOut">
               <a:rPr lang="fr-FR" smtClean="0"/>
-              <a:t>30/09/2019</a:t>
+              <a:t>01/10/2019</a:t>
             </a:fld>
             <a:endParaRPr lang="fr-BE"/>
           </a:p>
@@ -1666,7 +1666,7 @@
           <a:p>
             <a:fld id="{AA309A6D-C09C-4548-B29A-6CF363A7E532}" type="datetimeFigureOut">
               <a:rPr lang="fr-FR" smtClean="0"/>
-              <a:t>30/09/2019</a:t>
+              <a:t>01/10/2019</a:t>
             </a:fld>
             <a:endParaRPr lang="fr-BE"/>
           </a:p>
@@ -1779,7 +1779,7 @@
           <a:p>
             <a:fld id="{AA309A6D-C09C-4548-B29A-6CF363A7E532}" type="datetimeFigureOut">
               <a:rPr lang="fr-FR" smtClean="0"/>
-              <a:t>30/09/2019</a:t>
+              <a:t>01/10/2019</a:t>
             </a:fld>
             <a:endParaRPr lang="fr-BE"/>
           </a:p>
@@ -1869,7 +1869,7 @@
           <a:p>
             <a:fld id="{AA309A6D-C09C-4548-B29A-6CF363A7E532}" type="datetimeFigureOut">
               <a:rPr lang="fr-FR" smtClean="0"/>
-              <a:t>30/09/2019</a:t>
+              <a:t>01/10/2019</a:t>
             </a:fld>
             <a:endParaRPr lang="fr-BE"/>
           </a:p>
@@ -2127,7 +2127,7 @@
           <a:p>
             <a:fld id="{AA309A6D-C09C-4548-B29A-6CF363A7E532}" type="datetimeFigureOut">
               <a:rPr lang="fr-FR" smtClean="0"/>
-              <a:t>30/09/2019</a:t>
+              <a:t>01/10/2019</a:t>
             </a:fld>
             <a:endParaRPr lang="fr-BE"/>
           </a:p>
@@ -2391,7 +2391,7 @@
           <a:p>
             <a:fld id="{AA309A6D-C09C-4548-B29A-6CF363A7E532}" type="datetimeFigureOut">
               <a:rPr lang="fr-FR" smtClean="0"/>
-              <a:t>30/09/2019</a:t>
+              <a:t>01/10/2019</a:t>
             </a:fld>
             <a:endParaRPr lang="fr-BE"/>
           </a:p>
@@ -2608,7 +2608,7 @@
           <a:p>
             <a:fld id="{AA309A6D-C09C-4548-B29A-6CF363A7E532}" type="datetimeFigureOut">
               <a:rPr lang="fr-FR" smtClean="0"/>
-              <a:t>30/09/2019</a:t>
+              <a:t>01/10/2019</a:t>
             </a:fld>
             <a:endParaRPr lang="fr-BE"/>
           </a:p>
@@ -3050,8 +3050,8 @@
         </p:nvSpPr>
         <p:spPr>
           <a:xfrm>
-            <a:off x="422030" y="1371600"/>
-            <a:ext cx="8229600" cy="3281536"/>
+            <a:off x="422030" y="836712"/>
+            <a:ext cx="8229600" cy="3960440"/>
           </a:xfrm>
         </p:spPr>
         <p:txBody>
@@ -3064,7 +3064,7 @@
               <a:rPr lang="fr-FR" dirty="0">
                 <a:hlinkClick r:id="rId2"/>
               </a:rPr>
-              <a:t>https://www.irit.fr/~Guillaume.Cabanac/enseignement/m2106/cm2.pdf</a:t>
+              <a:t>http://www.yinandyang.info/formalin/index2.php?option=com_content&amp;do_pdf=1&amp;id=140</a:t>
             </a:r>
             <a:endParaRPr lang="fr-FR" dirty="0"/>
           </a:p>
